--- a/lesson-3-implementing-message-passing/Design_gRPC_Protobuffer_Interface.pptx
+++ b/lesson-3-implementing-message-passing/Design_gRPC_Protobuffer_Interface.pptx
@@ -263,7 +263,7 @@
           <a:p>
             <a:fld id="{E8E9BD6B-BF17-4F5E-A40E-B73758A4E726}" type="datetimeFigureOut">
               <a:rPr lang="de-CH" smtClean="0"/>
-              <a:t>01.02.2025</a:t>
+              <a:t>09.02.2025</a:t>
             </a:fld>
             <a:endParaRPr lang="de-CH"/>
           </a:p>
@@ -463,7 +463,7 @@
           <a:p>
             <a:fld id="{E8E9BD6B-BF17-4F5E-A40E-B73758A4E726}" type="datetimeFigureOut">
               <a:rPr lang="de-CH" smtClean="0"/>
-              <a:t>01.02.2025</a:t>
+              <a:t>09.02.2025</a:t>
             </a:fld>
             <a:endParaRPr lang="de-CH"/>
           </a:p>
@@ -673,7 +673,7 @@
           <a:p>
             <a:fld id="{E8E9BD6B-BF17-4F5E-A40E-B73758A4E726}" type="datetimeFigureOut">
               <a:rPr lang="de-CH" smtClean="0"/>
-              <a:t>01.02.2025</a:t>
+              <a:t>09.02.2025</a:t>
             </a:fld>
             <a:endParaRPr lang="de-CH"/>
           </a:p>
@@ -873,7 +873,7 @@
           <a:p>
             <a:fld id="{E8E9BD6B-BF17-4F5E-A40E-B73758A4E726}" type="datetimeFigureOut">
               <a:rPr lang="de-CH" smtClean="0"/>
-              <a:t>01.02.2025</a:t>
+              <a:t>09.02.2025</a:t>
             </a:fld>
             <a:endParaRPr lang="de-CH"/>
           </a:p>
@@ -1149,7 +1149,7 @@
           <a:p>
             <a:fld id="{E8E9BD6B-BF17-4F5E-A40E-B73758A4E726}" type="datetimeFigureOut">
               <a:rPr lang="de-CH" smtClean="0"/>
-              <a:t>01.02.2025</a:t>
+              <a:t>09.02.2025</a:t>
             </a:fld>
             <a:endParaRPr lang="de-CH"/>
           </a:p>
@@ -1417,7 +1417,7 @@
           <a:p>
             <a:fld id="{E8E9BD6B-BF17-4F5E-A40E-B73758A4E726}" type="datetimeFigureOut">
               <a:rPr lang="de-CH" smtClean="0"/>
-              <a:t>01.02.2025</a:t>
+              <a:t>09.02.2025</a:t>
             </a:fld>
             <a:endParaRPr lang="de-CH"/>
           </a:p>
@@ -1832,7 +1832,7 @@
           <a:p>
             <a:fld id="{E8E9BD6B-BF17-4F5E-A40E-B73758A4E726}" type="datetimeFigureOut">
               <a:rPr lang="de-CH" smtClean="0"/>
-              <a:t>01.02.2025</a:t>
+              <a:t>09.02.2025</a:t>
             </a:fld>
             <a:endParaRPr lang="de-CH"/>
           </a:p>
@@ -1974,7 +1974,7 @@
           <a:p>
             <a:fld id="{E8E9BD6B-BF17-4F5E-A40E-B73758A4E726}" type="datetimeFigureOut">
               <a:rPr lang="de-CH" smtClean="0"/>
-              <a:t>01.02.2025</a:t>
+              <a:t>09.02.2025</a:t>
             </a:fld>
             <a:endParaRPr lang="de-CH"/>
           </a:p>
@@ -2087,7 +2087,7 @@
           <a:p>
             <a:fld id="{E8E9BD6B-BF17-4F5E-A40E-B73758A4E726}" type="datetimeFigureOut">
               <a:rPr lang="de-CH" smtClean="0"/>
-              <a:t>01.02.2025</a:t>
+              <a:t>09.02.2025</a:t>
             </a:fld>
             <a:endParaRPr lang="de-CH"/>
           </a:p>
@@ -2400,7 +2400,7 @@
           <a:p>
             <a:fld id="{E8E9BD6B-BF17-4F5E-A40E-B73758A4E726}" type="datetimeFigureOut">
               <a:rPr lang="de-CH" smtClean="0"/>
-              <a:t>01.02.2025</a:t>
+              <a:t>09.02.2025</a:t>
             </a:fld>
             <a:endParaRPr lang="de-CH"/>
           </a:p>
@@ -2689,7 +2689,7 @@
           <a:p>
             <a:fld id="{E8E9BD6B-BF17-4F5E-A40E-B73758A4E726}" type="datetimeFigureOut">
               <a:rPr lang="de-CH" smtClean="0"/>
-              <a:t>01.02.2025</a:t>
+              <a:t>09.02.2025</a:t>
             </a:fld>
             <a:endParaRPr lang="de-CH"/>
           </a:p>
@@ -2932,7 +2932,7 @@
           <a:p>
             <a:fld id="{E8E9BD6B-BF17-4F5E-A40E-B73758A4E726}" type="datetimeFigureOut">
               <a:rPr lang="de-CH" smtClean="0"/>
-              <a:t>01.02.2025</a:t>
+              <a:t>09.02.2025</a:t>
             </a:fld>
             <a:endParaRPr lang="de-CH"/>
           </a:p>
@@ -4307,7 +4307,7 @@
                 <a:latin typeface="Courier New" panose="02070309020205020404" pitchFamily="49" charset="0"/>
                 <a:cs typeface="Courier New" panose="02070309020205020404" pitchFamily="49" charset="0"/>
               </a:rPr>
-              <a:t>)</a:t>
+              <a:t>);</a:t>
             </a:r>
           </a:p>
           <a:p>
